--- a/PPT/WorkShop/Caching.Alfon.pptx
+++ b/PPT/WorkShop/Caching.Alfon.pptx
@@ -3851,7 +3851,7 @@
           <a:p>
             <a:fld id="{3B9E93D0-FF20-471C-AFC4-167D49AECE01}" type="datetimeFigureOut">
               <a:rPr lang="en-PH" smtClean="0"/>
-              <a:t>05/07/2019</a:t>
+              <a:t>24/07/2019</a:t>
             </a:fld>
             <a:endParaRPr lang="en-PH"/>
           </a:p>
@@ -4051,7 +4051,7 @@
           <a:p>
             <a:fld id="{3B9E93D0-FF20-471C-AFC4-167D49AECE01}" type="datetimeFigureOut">
               <a:rPr lang="en-PH" smtClean="0"/>
-              <a:t>05/07/2019</a:t>
+              <a:t>24/07/2019</a:t>
             </a:fld>
             <a:endParaRPr lang="en-PH"/>
           </a:p>
@@ -4261,7 +4261,7 @@
           <a:p>
             <a:fld id="{3B9E93D0-FF20-471C-AFC4-167D49AECE01}" type="datetimeFigureOut">
               <a:rPr lang="en-PH" smtClean="0"/>
-              <a:t>05/07/2019</a:t>
+              <a:t>24/07/2019</a:t>
             </a:fld>
             <a:endParaRPr lang="en-PH"/>
           </a:p>
@@ -4461,7 +4461,7 @@
           <a:p>
             <a:fld id="{3B9E93D0-FF20-471C-AFC4-167D49AECE01}" type="datetimeFigureOut">
               <a:rPr lang="en-PH" smtClean="0"/>
-              <a:t>05/07/2019</a:t>
+              <a:t>24/07/2019</a:t>
             </a:fld>
             <a:endParaRPr lang="en-PH"/>
           </a:p>
@@ -4737,7 +4737,7 @@
           <a:p>
             <a:fld id="{3B9E93D0-FF20-471C-AFC4-167D49AECE01}" type="datetimeFigureOut">
               <a:rPr lang="en-PH" smtClean="0"/>
-              <a:t>05/07/2019</a:t>
+              <a:t>24/07/2019</a:t>
             </a:fld>
             <a:endParaRPr lang="en-PH"/>
           </a:p>
@@ -5005,7 +5005,7 @@
           <a:p>
             <a:fld id="{3B9E93D0-FF20-471C-AFC4-167D49AECE01}" type="datetimeFigureOut">
               <a:rPr lang="en-PH" smtClean="0"/>
-              <a:t>05/07/2019</a:t>
+              <a:t>24/07/2019</a:t>
             </a:fld>
             <a:endParaRPr lang="en-PH"/>
           </a:p>
@@ -5420,7 +5420,7 @@
           <a:p>
             <a:fld id="{3B9E93D0-FF20-471C-AFC4-167D49AECE01}" type="datetimeFigureOut">
               <a:rPr lang="en-PH" smtClean="0"/>
-              <a:t>05/07/2019</a:t>
+              <a:t>24/07/2019</a:t>
             </a:fld>
             <a:endParaRPr lang="en-PH"/>
           </a:p>
@@ -5562,7 +5562,7 @@
           <a:p>
             <a:fld id="{3B9E93D0-FF20-471C-AFC4-167D49AECE01}" type="datetimeFigureOut">
               <a:rPr lang="en-PH" smtClean="0"/>
-              <a:t>05/07/2019</a:t>
+              <a:t>24/07/2019</a:t>
             </a:fld>
             <a:endParaRPr lang="en-PH"/>
           </a:p>
@@ -5675,7 +5675,7 @@
           <a:p>
             <a:fld id="{3B9E93D0-FF20-471C-AFC4-167D49AECE01}" type="datetimeFigureOut">
               <a:rPr lang="en-PH" smtClean="0"/>
-              <a:t>05/07/2019</a:t>
+              <a:t>24/07/2019</a:t>
             </a:fld>
             <a:endParaRPr lang="en-PH"/>
           </a:p>
@@ -5988,7 +5988,7 @@
           <a:p>
             <a:fld id="{3B9E93D0-FF20-471C-AFC4-167D49AECE01}" type="datetimeFigureOut">
               <a:rPr lang="en-PH" smtClean="0"/>
-              <a:t>05/07/2019</a:t>
+              <a:t>24/07/2019</a:t>
             </a:fld>
             <a:endParaRPr lang="en-PH"/>
           </a:p>
@@ -6277,7 +6277,7 @@
           <a:p>
             <a:fld id="{3B9E93D0-FF20-471C-AFC4-167D49AECE01}" type="datetimeFigureOut">
               <a:rPr lang="en-PH" smtClean="0"/>
-              <a:t>05/07/2019</a:t>
+              <a:t>24/07/2019</a:t>
             </a:fld>
             <a:endParaRPr lang="en-PH"/>
           </a:p>
@@ -6520,7 +6520,7 @@
           <a:p>
             <a:fld id="{3B9E93D0-FF20-471C-AFC4-167D49AECE01}" type="datetimeFigureOut">
               <a:rPr lang="en-PH" smtClean="0"/>
-              <a:t>05/07/2019</a:t>
+              <a:t>24/07/2019</a:t>
             </a:fld>
             <a:endParaRPr lang="en-PH"/>
           </a:p>
@@ -7059,7 +7059,7 @@
         <p:spPr>
           <a:xfrm>
             <a:off x="716335" y="3172777"/>
-            <a:ext cx="6976175" cy="830997"/>
+            <a:ext cx="7494215" cy="1938992"/>
           </a:xfrm>
           <a:prstGeom prst="rect">
             <a:avLst/>
@@ -7098,19 +7098,46 @@
               <a:rPr lang="en-PH" sz="2400" dirty="0"/>
               <a:t> Tech</a:t>
             </a:r>
+          </a:p>
+          <a:p>
+            <a:r>
+              <a:rPr lang="en-PH" sz="2400" dirty="0"/>
+              <a:t>Follow me:</a:t>
+            </a:r>
+          </a:p>
+          <a:p>
+            <a:r>
+              <a:rPr lang="en-PH" sz="2400" dirty="0"/>
+              <a:t>Twitter @</a:t>
+            </a:r>
+            <a:r>
+              <a:rPr lang="en-PH" sz="2400" dirty="0" err="1"/>
+              <a:t>ChitoSalano</a:t>
+            </a:r>
+            <a:endParaRPr lang="en-PH" sz="2400" dirty="0"/>
+          </a:p>
+          <a:p>
+            <a:r>
+              <a:rPr lang="en-PH" sz="2400" dirty="0" err="1"/>
+              <a:t>Linkedin</a:t>
+            </a:r>
+            <a:r>
+              <a:rPr lang="en-PH" sz="2400" dirty="0"/>
+              <a:t> </a:t>
+            </a:r>
             <a:r>
               <a:rPr lang="en-PH" sz="2400" dirty="0">
-                <a:solidFill>
-                  <a:srgbClr val="FFFF66"/>
-                </a:solidFill>
+                <a:hlinkClick r:id="rId4">
+                  <a:extLst>
+                    <a:ext uri="{A12FA001-AC4F-418D-AE19-62706E023703}">
+                      <ahyp:hlinkClr xmlns:ahyp="http://schemas.microsoft.com/office/drawing/2018/hyperlinkcolor" val="tx"/>
+                    </a:ext>
+                  </a:extLst>
+                </a:hlinkClick>
               </a:rPr>
-              <a:t> </a:t>
-            </a:r>
-            <a:endParaRPr lang="en-US" sz="2400" dirty="0">
-              <a:solidFill>
-                <a:srgbClr val="FFFF66"/>
-              </a:solidFill>
-            </a:endParaRPr>
+              <a:t>https://www.linkedin.com/in/alfonchitosalano/</a:t>
+            </a:r>
+            <a:endParaRPr lang="en-US" sz="2400" dirty="0"/>
           </a:p>
         </p:txBody>
       </p:sp>
